--- a/reports/report_0802/report2.pptx
+++ b/reports/report_0802/report2.pptx
@@ -6,6 +6,7 @@
   </p:sldMasterIdLst>
   <p:sldIdLst>
     <p:sldId id="256" r:id="rId2"/>
+    <p:sldId id="257" r:id="rId3"/>
   </p:sldIdLst>
   <p:sldSz cx="12192000" cy="6858000"/>
   <p:notesSz cx="6858000" cy="9144000"/>
@@ -104,6 +105,11 @@
       </a:defRPr>
     </a:lvl9pPr>
   </p:defaultTextStyle>
+  <p:extLst>
+    <p:ext uri="{EFAFB233-063F-42B5-8137-9DF3F51BA10A}">
+      <p15:sldGuideLst xmlns:p15="http://schemas.microsoft.com/office/powerpoint/2012/main"/>
+    </p:ext>
+  </p:extLst>
 </p:presentation>
 </file>
 
@@ -3323,51 +3329,42 @@
       </p:grpSpPr>
       <p:sp>
         <p:nvSpPr>
-          <p:cNvPr id="2" name="标题 1">
-            <a:extLst>
-              <a:ext uri="{FF2B5EF4-FFF2-40B4-BE49-F238E27FC236}">
-                <a16:creationId xmlns:a16="http://schemas.microsoft.com/office/drawing/2014/main" id="{407F6578-7EE3-9746-8B54-141F465EB5AD}"/>
-              </a:ext>
-            </a:extLst>
-          </p:cNvPr>
-          <p:cNvSpPr>
-            <a:spLocks noGrp="1"/>
-          </p:cNvSpPr>
-          <p:nvPr>
-            <p:ph type="ctrTitle"/>
-          </p:nvPr>
-        </p:nvSpPr>
-        <p:spPr/>
-        <p:txBody>
-          <a:bodyPr/>
-          <a:lstStyle/>
-          <a:p>
-            <a:endParaRPr kumimoji="1" lang="zh-CN" altLang="en-US"/>
-          </a:p>
-        </p:txBody>
-      </p:sp>
-      <p:sp>
-        <p:nvSpPr>
-          <p:cNvPr id="3" name="副标题 2">
-            <a:extLst>
-              <a:ext uri="{FF2B5EF4-FFF2-40B4-BE49-F238E27FC236}">
-                <a16:creationId xmlns:a16="http://schemas.microsoft.com/office/drawing/2014/main" id="{AB37BCEF-D92F-2E41-8BFD-A3F969FCD223}"/>
-              </a:ext>
-            </a:extLst>
-          </p:cNvPr>
-          <p:cNvSpPr>
-            <a:spLocks noGrp="1"/>
-          </p:cNvSpPr>
-          <p:nvPr>
-            <p:ph type="subTitle" idx="1"/>
-          </p:nvPr>
-        </p:nvSpPr>
-        <p:spPr/>
-        <p:txBody>
-          <a:bodyPr/>
-          <a:lstStyle/>
-          <a:p>
-            <a:endParaRPr kumimoji="1" lang="zh-CN" altLang="en-US"/>
+          <p:cNvPr id="4" name="文本框 3">
+            <a:extLst>
+              <a:ext uri="{FF2B5EF4-FFF2-40B4-BE49-F238E27FC236}">
+                <a16:creationId xmlns:a16="http://schemas.microsoft.com/office/drawing/2014/main" id="{117E9596-3566-C64A-9CB3-E27EFAA756BD}"/>
+              </a:ext>
+            </a:extLst>
+          </p:cNvPr>
+          <p:cNvSpPr txBox="1"/>
+          <p:nvPr/>
+        </p:nvSpPr>
+        <p:spPr>
+          <a:xfrm>
+            <a:off x="4970060" y="2439117"/>
+            <a:ext cx="2251880" cy="646331"/>
+          </a:xfrm>
+          <a:prstGeom prst="rect">
+            <a:avLst/>
+          </a:prstGeom>
+          <a:noFill/>
+        </p:spPr>
+        <p:txBody>
+          <a:bodyPr wrap="square" rtlCol="0">
+            <a:spAutoFit/>
+          </a:bodyPr>
+          <a:lstStyle/>
+          <a:p>
+            <a:pPr algn="ctr"/>
+            <a:r>
+              <a:rPr kumimoji="1" lang="zh-CN" altLang="en-US" sz="3600" b="1" dirty="0"/>
+              <a:t>报告 </a:t>
+            </a:r>
+            <a:r>
+              <a:rPr kumimoji="1" lang="en-US" altLang="zh-CN" sz="3600" b="1" dirty="0"/>
+              <a:t>0802</a:t>
+            </a:r>
+            <a:endParaRPr kumimoji="1" lang="zh-CN" altLang="en-US" sz="3600" b="1" dirty="0"/>
           </a:p>
         </p:txBody>
       </p:sp>
@@ -3375,6 +3372,66 @@
     <p:extLst>
       <p:ext uri="{BB962C8B-B14F-4D97-AF65-F5344CB8AC3E}">
         <p14:creationId xmlns:p14="http://schemas.microsoft.com/office/powerpoint/2010/main" val="3046174397"/>
+      </p:ext>
+    </p:extLst>
+  </p:cSld>
+  <p:clrMapOvr>
+    <a:masterClrMapping/>
+  </p:clrMapOvr>
+</p:sld>
+</file>
+
+<file path=ppt/slides/slide2.xml><?xml version="1.0" encoding="utf-8"?>
+<p:sld xmlns:a="http://schemas.openxmlformats.org/drawingml/2006/main" xmlns:r="http://schemas.openxmlformats.org/officeDocument/2006/relationships" xmlns:p="http://schemas.openxmlformats.org/presentationml/2006/main">
+  <p:cSld>
+    <p:spTree>
+      <p:nvGrpSpPr>
+        <p:cNvPr id="1" name=""/>
+        <p:cNvGrpSpPr/>
+        <p:nvPr/>
+      </p:nvGrpSpPr>
+      <p:grpSpPr>
+        <a:xfrm>
+          <a:off x="0" y="0"/>
+          <a:ext cx="0" cy="0"/>
+          <a:chOff x="0" y="0"/>
+          <a:chExt cx="0" cy="0"/>
+        </a:xfrm>
+      </p:grpSpPr>
+      <p:pic>
+        <p:nvPicPr>
+          <p:cNvPr id="3" name="图片 2" descr="图片包含 文本&#10;&#10;描述已自动生成">
+            <a:extLst>
+              <a:ext uri="{FF2B5EF4-FFF2-40B4-BE49-F238E27FC236}">
+                <a16:creationId xmlns:a16="http://schemas.microsoft.com/office/drawing/2014/main" id="{46BE481D-B580-664E-8076-03D3FC772CE8}"/>
+              </a:ext>
+            </a:extLst>
+          </p:cNvPr>
+          <p:cNvPicPr>
+            <a:picLocks noChangeAspect="1"/>
+          </p:cNvPicPr>
+          <p:nvPr/>
+        </p:nvPicPr>
+        <p:blipFill>
+          <a:blip r:embed="rId2"/>
+          <a:stretch>
+            <a:fillRect/>
+          </a:stretch>
+        </p:blipFill>
+        <p:spPr>
+          <a:xfrm>
+            <a:off x="0" y="5049"/>
+            <a:ext cx="12192000" cy="6847902"/>
+          </a:xfrm>
+          <a:prstGeom prst="rect">
+            <a:avLst/>
+          </a:prstGeom>
+        </p:spPr>
+      </p:pic>
+    </p:spTree>
+    <p:extLst>
+      <p:ext uri="{BB962C8B-B14F-4D97-AF65-F5344CB8AC3E}">
+        <p14:creationId xmlns:p14="http://schemas.microsoft.com/office/powerpoint/2010/main" val="1726907006"/>
       </p:ext>
     </p:extLst>
   </p:cSld>

--- a/reports/report_0802/report2.pptx
+++ b/reports/report_0802/report2.pptx
@@ -3368,6 +3368,83 @@
           </a:p>
         </p:txBody>
       </p:sp>
+      <p:sp>
+        <p:nvSpPr>
+          <p:cNvPr id="2" name="文本框 1">
+            <a:extLst>
+              <a:ext uri="{FF2B5EF4-FFF2-40B4-BE49-F238E27FC236}">
+                <a16:creationId xmlns:a16="http://schemas.microsoft.com/office/drawing/2014/main" id="{0B3DEC75-AD07-7145-8037-6F248EEE2EDF}"/>
+              </a:ext>
+            </a:extLst>
+          </p:cNvPr>
+          <p:cNvSpPr txBox="1"/>
+          <p:nvPr/>
+        </p:nvSpPr>
+        <p:spPr>
+          <a:xfrm>
+            <a:off x="2680137" y="3310888"/>
+            <a:ext cx="7346732" cy="923330"/>
+          </a:xfrm>
+          <a:prstGeom prst="rect">
+            <a:avLst/>
+          </a:prstGeom>
+          <a:noFill/>
+        </p:spPr>
+        <p:txBody>
+          <a:bodyPr wrap="square" rtlCol="0">
+            <a:spAutoFit/>
+          </a:bodyPr>
+          <a:lstStyle/>
+          <a:p>
+            <a:pPr marL="285750" indent="-285750">
+              <a:buFont typeface="Wingdings" pitchFamily="2" charset="2"/>
+              <a:buChar char="Ø"/>
+            </a:pPr>
+            <a:r>
+              <a:rPr kumimoji="1" lang="zh-CN" altLang="en-US" dirty="0"/>
+              <a:t>已有成果：</a:t>
+            </a:r>
+            <a:r>
+              <a:rPr kumimoji="1" lang="en-US" altLang="zh-CN" dirty="0"/>
+              <a:t>Kinect</a:t>
+            </a:r>
+            <a:r>
+              <a:rPr kumimoji="1" lang="zh-CN" altLang="en-US" dirty="0"/>
+              <a:t>三维骨架重建</a:t>
+            </a:r>
+            <a:r>
+              <a:rPr kumimoji="1" lang="en-US" altLang="zh-CN" dirty="0"/>
+              <a:t>+DGNN+</a:t>
+            </a:r>
+            <a:r>
+              <a:rPr kumimoji="1" lang="zh-CN" altLang="en-US" dirty="0"/>
+              <a:t>迁移学习的人体姿态识别</a:t>
+            </a:r>
+            <a:endParaRPr kumimoji="1" lang="en-US" altLang="zh-CN" dirty="0"/>
+          </a:p>
+          <a:p>
+            <a:pPr marL="285750" indent="-285750">
+              <a:buFont typeface="Wingdings" pitchFamily="2" charset="2"/>
+              <a:buChar char="Ø"/>
+            </a:pPr>
+            <a:r>
+              <a:rPr kumimoji="1" lang="zh-CN" altLang="en-US" dirty="0"/>
+              <a:t>目前思路：多目标多视角三维骨架重建</a:t>
+            </a:r>
+            <a:endParaRPr kumimoji="1" lang="en-US" altLang="zh-CN" dirty="0"/>
+          </a:p>
+          <a:p>
+            <a:pPr marL="285750" indent="-285750">
+              <a:buFont typeface="Wingdings" pitchFamily="2" charset="2"/>
+              <a:buChar char="Ø"/>
+            </a:pPr>
+            <a:r>
+              <a:rPr kumimoji="1" lang="zh-CN" altLang="en-US" dirty="0"/>
+              <a:t>硬件准备</a:t>
+            </a:r>
+          </a:p>
+        </p:txBody>
+      </p:sp>
     </p:spTree>
     <p:extLst>
       <p:ext uri="{BB962C8B-B14F-4D97-AF65-F5344CB8AC3E}">
@@ -3428,6 +3505,45 @@
           </a:prstGeom>
         </p:spPr>
       </p:pic>
+      <p:sp>
+        <p:nvSpPr>
+          <p:cNvPr id="2" name="文本框 1">
+            <a:extLst>
+              <a:ext uri="{FF2B5EF4-FFF2-40B4-BE49-F238E27FC236}">
+                <a16:creationId xmlns:a16="http://schemas.microsoft.com/office/drawing/2014/main" id="{DD3A4B06-035C-F34F-816E-00FA1AF6780A}"/>
+              </a:ext>
+            </a:extLst>
+          </p:cNvPr>
+          <p:cNvSpPr txBox="1"/>
+          <p:nvPr/>
+        </p:nvSpPr>
+        <p:spPr>
+          <a:xfrm>
+            <a:off x="4992414" y="5801710"/>
+            <a:ext cx="6232634" cy="369332"/>
+          </a:xfrm>
+          <a:prstGeom prst="rect">
+            <a:avLst/>
+          </a:prstGeom>
+          <a:noFill/>
+        </p:spPr>
+        <p:txBody>
+          <a:bodyPr wrap="square" rtlCol="0">
+            <a:spAutoFit/>
+          </a:bodyPr>
+          <a:lstStyle/>
+          <a:p>
+            <a:pPr marL="285750" indent="-285750">
+              <a:buFont typeface="Wingdings" pitchFamily="2" charset="2"/>
+              <a:buChar char="Ø"/>
+            </a:pPr>
+            <a:r>
+              <a:rPr kumimoji="1" lang="zh-CN" altLang="en-US" dirty="0"/>
+              <a:t>追踪目标数量非常有限，视场小，无法调焦</a:t>
+            </a:r>
+          </a:p>
+        </p:txBody>
+      </p:sp>
     </p:spTree>
     <p:extLst>
       <p:ext uri="{BB962C8B-B14F-4D97-AF65-F5344CB8AC3E}">
